--- a/W02/Handout_02-4.pptx
+++ b/W02/Handout_02-4.pptx
@@ -203,7 +203,7 @@
           <a:p>
             <a:fld id="{D4CB86DC-20C9-45AA-9C21-5865177CCC2D}" type="datetimeFigureOut">
               <a:rPr lang="zh-TW" altLang="en-US" smtClean="0"/>
-              <a:t>2020/7/8</a:t>
+              <a:t>2021/10/1</a:t>
             </a:fld>
             <a:endParaRPr lang="zh-TW" altLang="en-US"/>
           </a:p>
@@ -665,7 +665,7 @@
           <a:p>
             <a:fld id="{5BBEAD13-0566-4C6C-97E7-55F17F24B09F}" type="datetimeFigureOut">
               <a:rPr lang="zh-TW" altLang="en-US" smtClean="0"/>
-              <a:t>2020/7/8</a:t>
+              <a:t>2021/10/1</a:t>
             </a:fld>
             <a:endParaRPr lang="zh-TW" altLang="en-US"/>
           </a:p>
@@ -830,7 +830,7 @@
           <a:p>
             <a:fld id="{5BBEAD13-0566-4C6C-97E7-55F17F24B09F}" type="datetimeFigureOut">
               <a:rPr lang="zh-TW" altLang="en-US" smtClean="0"/>
-              <a:t>2020/7/8</a:t>
+              <a:t>2021/10/1</a:t>
             </a:fld>
             <a:endParaRPr lang="zh-TW" altLang="en-US"/>
           </a:p>
@@ -1005,7 +1005,7 @@
           <a:p>
             <a:fld id="{5BBEAD13-0566-4C6C-97E7-55F17F24B09F}" type="datetimeFigureOut">
               <a:rPr lang="zh-TW" altLang="en-US" smtClean="0"/>
-              <a:t>2020/7/8</a:t>
+              <a:t>2021/10/1</a:t>
             </a:fld>
             <a:endParaRPr lang="zh-TW" altLang="en-US"/>
           </a:p>
@@ -1170,7 +1170,7 @@
           <a:p>
             <a:fld id="{5BBEAD13-0566-4C6C-97E7-55F17F24B09F}" type="datetimeFigureOut">
               <a:rPr lang="zh-TW" altLang="en-US" smtClean="0"/>
-              <a:t>2020/7/8</a:t>
+              <a:t>2021/10/1</a:t>
             </a:fld>
             <a:endParaRPr lang="zh-TW" altLang="en-US"/>
           </a:p>
@@ -1411,7 +1411,7 @@
           <a:p>
             <a:fld id="{5BBEAD13-0566-4C6C-97E7-55F17F24B09F}" type="datetimeFigureOut">
               <a:rPr lang="zh-TW" altLang="en-US" smtClean="0"/>
-              <a:t>2020/7/8</a:t>
+              <a:t>2021/10/1</a:t>
             </a:fld>
             <a:endParaRPr lang="zh-TW" altLang="en-US"/>
           </a:p>
@@ -1694,7 +1694,7 @@
           <a:p>
             <a:fld id="{5BBEAD13-0566-4C6C-97E7-55F17F24B09F}" type="datetimeFigureOut">
               <a:rPr lang="zh-TW" altLang="en-US" smtClean="0"/>
-              <a:t>2020/7/8</a:t>
+              <a:t>2021/10/1</a:t>
             </a:fld>
             <a:endParaRPr lang="zh-TW" altLang="en-US"/>
           </a:p>
@@ -2123,7 +2123,7 @@
           <a:p>
             <a:fld id="{5BBEAD13-0566-4C6C-97E7-55F17F24B09F}" type="datetimeFigureOut">
               <a:rPr lang="zh-TW" altLang="en-US" smtClean="0"/>
-              <a:t>2020/7/8</a:t>
+              <a:t>2021/10/1</a:t>
             </a:fld>
             <a:endParaRPr lang="zh-TW" altLang="en-US"/>
           </a:p>
@@ -2236,7 +2236,7 @@
           <a:p>
             <a:fld id="{5BBEAD13-0566-4C6C-97E7-55F17F24B09F}" type="datetimeFigureOut">
               <a:rPr lang="zh-TW" altLang="en-US" smtClean="0"/>
-              <a:t>2020/7/8</a:t>
+              <a:t>2021/10/1</a:t>
             </a:fld>
             <a:endParaRPr lang="zh-TW" altLang="en-US"/>
           </a:p>
@@ -2326,7 +2326,7 @@
           <a:p>
             <a:fld id="{5BBEAD13-0566-4C6C-97E7-55F17F24B09F}" type="datetimeFigureOut">
               <a:rPr lang="zh-TW" altLang="en-US" smtClean="0"/>
-              <a:t>2020/7/8</a:t>
+              <a:t>2021/10/1</a:t>
             </a:fld>
             <a:endParaRPr lang="zh-TW" altLang="en-US"/>
           </a:p>
@@ -2515,7 +2515,7 @@
           <a:p>
             <a:fld id="{5BBEAD13-0566-4C6C-97E7-55F17F24B09F}" type="datetimeFigureOut">
               <a:rPr lang="zh-TW" altLang="en-US" smtClean="0"/>
-              <a:t>2020/7/8</a:t>
+              <a:t>2021/10/1</a:t>
             </a:fld>
             <a:endParaRPr lang="zh-TW" altLang="en-US"/>
           </a:p>
@@ -2833,7 +2833,7 @@
           <a:p>
             <a:fld id="{5BBEAD13-0566-4C6C-97E7-55F17F24B09F}" type="datetimeFigureOut">
               <a:rPr lang="zh-TW" altLang="en-US" smtClean="0"/>
-              <a:t>2020/7/8</a:t>
+              <a:t>2021/10/1</a:t>
             </a:fld>
             <a:endParaRPr lang="zh-TW" altLang="en-US"/>
           </a:p>
@@ -3212,7 +3212,7 @@
           <a:p>
             <a:fld id="{5BBEAD13-0566-4C6C-97E7-55F17F24B09F}" type="datetimeFigureOut">
               <a:rPr lang="zh-TW" altLang="en-US" smtClean="0"/>
-              <a:t>2020/7/8</a:t>
+              <a:t>2021/10/1</a:t>
             </a:fld>
             <a:endParaRPr lang="zh-TW" altLang="en-US"/>
           </a:p>
@@ -3552,7 +3552,11 @@
           <a:p>
             <a:r>
               <a:rPr lang="en-US" altLang="zh-TW" dirty="0" smtClean="0"/>
-              <a:t>Day2-</a:t>
+              <a:t>W02</a:t>
+            </a:r>
+            <a:r>
+              <a:rPr lang="en-US" altLang="zh-TW" dirty="0" smtClean="0"/>
+              <a:t>-4</a:t>
             </a:r>
             <a:r>
               <a:rPr lang="en-US" altLang="zh-TW" dirty="0" smtClean="0"/>
